--- a/Presentations/L6 Ubisoft Design Masterclass 1.pptx
+++ b/Presentations/L6 Ubisoft Design Masterclass 1.pptx
@@ -110,6 +110,11 @@
       </a:defRPr>
     </a:lvl9pPr>
   </p:defaultTextStyle>
+  <p:extLst>
+    <p:ext uri="{EFAFB233-063F-42B5-8137-9DF3F51BA10A}">
+      <p15:sldGuideLst xmlns:p15="http://schemas.microsoft.com/office/powerpoint/2012/main"/>
+    </p:ext>
+  </p:extLst>
 </p:presentation>
 </file>
 
@@ -3252,7 +3257,7 @@
         <p:spPr>
           <a:xfrm>
             <a:off x="8882743" y="1772816"/>
-            <a:ext cx="2845837" cy="3539430"/>
+            <a:ext cx="2845837" cy="2554545"/>
           </a:xfrm>
           <a:prstGeom prst="rect">
             <a:avLst/>
@@ -3280,9 +3285,16 @@
               <a:buChar char="•"/>
             </a:pPr>
             <a:r>
-              <a:rPr lang="en-GB" sz="3200" dirty="0"/>
-              <a:t>Compete to grab resources for your fort. </a:t>
-            </a:r>
+              <a:rPr lang="en-GB" sz="3200"/>
+              <a:t>Turn based </a:t>
+            </a:r>
+          </a:p>
+          <a:p>
+            <a:pPr marL="285750" indent="-285750">
+              <a:buFont typeface="Arial" panose="020B0604020202020204" pitchFamily="34" charset="0"/>
+              <a:buChar char="•"/>
+            </a:pPr>
+            <a:endParaRPr lang="en-GB" sz="3200" dirty="0"/>
           </a:p>
         </p:txBody>
       </p:sp>
@@ -3415,7 +3427,15 @@
             </a:pPr>
             <a:r>
               <a:rPr lang="en-GB" sz="3200" dirty="0"/>
-              <a:t>Throw them at you opponent. </a:t>
+              <a:t>Throw them </a:t>
+            </a:r>
+            <a:r>
+              <a:rPr lang="en-GB" sz="3200"/>
+              <a:t>at your </a:t>
+            </a:r>
+            <a:r>
+              <a:rPr lang="en-GB" sz="3200" dirty="0"/>
+              <a:t>opponent. </a:t>
             </a:r>
           </a:p>
           <a:p>
